--- a/NLP_final_project_Nimesh_Sinha.pptx
+++ b/NLP_final_project_Nimesh_Sinha.pptx
@@ -16,16 +16,24 @@
     <p:sldId id="261" r:id="rId11"/>
     <p:sldId id="262" r:id="rId12"/>
     <p:sldId id="263" r:id="rId13"/>
+    <p:sldId id="264" r:id="rId14"/>
   </p:sldIdLst>
   <p:sldSz cy="5143500" cx="9144000"/>
   <p:notesSz cx="6858000" cy="9144000"/>
   <p:embeddedFontLst>
     <p:embeddedFont>
+      <p:font typeface="Roboto"/>
+      <p:regular r:id="rId15"/>
+      <p:bold r:id="rId16"/>
+      <p:italic r:id="rId17"/>
+      <p:boldItalic r:id="rId18"/>
+    </p:embeddedFont>
+    <p:embeddedFont>
       <p:font typeface="Spectral"/>
-      <p:regular r:id="rId14"/>
-      <p:bold r:id="rId15"/>
-      <p:italic r:id="rId16"/>
-      <p:boldItalic r:id="rId17"/>
+      <p:regular r:id="rId19"/>
+      <p:bold r:id="rId20"/>
+      <p:italic r:id="rId21"/>
+      <p:boldItalic r:id="rId22"/>
     </p:embeddedFont>
   </p:embeddedFontLst>
   <p:defaultTextStyle>
@@ -1096,7 +1104,7 @@
   <p:cSld>
     <p:spTree>
       <p:nvGrpSpPr>
-        <p:cNvPr id="79" name="Shape 79"/>
+        <p:cNvPr id="78" name="Shape 78"/>
         <p:cNvGrpSpPr/>
         <p:nvPr/>
       </p:nvGrpSpPr>
@@ -1110,7 +1118,7 @@
       </p:grpSpPr>
       <p:sp>
         <p:nvSpPr>
-          <p:cNvPr id="80" name="Shape 80"/>
+          <p:cNvPr id="79" name="Shape 79"/>
           <p:cNvSpPr/>
           <p:nvPr>
             <p:ph idx="2" type="sldImg"/>
@@ -1144,7 +1152,7 @@
       </p:sp>
       <p:sp>
         <p:nvSpPr>
-          <p:cNvPr id="81" name="Shape 81"/>
+          <p:cNvPr id="80" name="Shape 80"/>
           <p:cNvSpPr txBox="1"/>
           <p:nvPr>
             <p:ph idx="1" type="body"/>
@@ -1165,7 +1173,7 @@
           </a:bodyPr>
           <a:lstStyle/>
           <a:p>
-            <a:pPr indent="0" lvl="0" marL="0" rtl="0">
+            <a:pPr indent="0" lvl="0" marL="0">
               <a:spcBef>
                 <a:spcPts val="0"/>
               </a:spcBef>
@@ -1263,7 +1271,7 @@
           </a:bodyPr>
           <a:lstStyle/>
           <a:p>
-            <a:pPr indent="0" lvl="0" marL="0">
+            <a:pPr indent="0" lvl="0" marL="0" rtl="0">
               <a:spcBef>
                 <a:spcPts val="0"/>
               </a:spcBef>
@@ -1292,7 +1300,7 @@
   <p:cSld>
     <p:spTree>
       <p:nvGrpSpPr>
-        <p:cNvPr id="92" name="Shape 92"/>
+        <p:cNvPr id="91" name="Shape 91"/>
         <p:cNvGrpSpPr/>
         <p:nvPr/>
       </p:nvGrpSpPr>
@@ -1306,7 +1314,7 @@
       </p:grpSpPr>
       <p:sp>
         <p:nvSpPr>
-          <p:cNvPr id="93" name="Shape 93"/>
+          <p:cNvPr id="92" name="Shape 92"/>
           <p:cNvSpPr/>
           <p:nvPr>
             <p:ph idx="2" type="sldImg"/>
@@ -1340,7 +1348,7 @@
       </p:sp>
       <p:sp>
         <p:nvSpPr>
-          <p:cNvPr id="94" name="Shape 94"/>
+          <p:cNvPr id="93" name="Shape 93"/>
           <p:cNvSpPr txBox="1"/>
           <p:nvPr>
             <p:ph idx="1" type="body"/>
@@ -1390,7 +1398,7 @@
   <p:cSld>
     <p:spTree>
       <p:nvGrpSpPr>
-        <p:cNvPr id="100" name="Shape 100"/>
+        <p:cNvPr id="98" name="Shape 98"/>
         <p:cNvGrpSpPr/>
         <p:nvPr/>
       </p:nvGrpSpPr>
@@ -1404,7 +1412,7 @@
       </p:grpSpPr>
       <p:sp>
         <p:nvSpPr>
-          <p:cNvPr id="101" name="Shape 101"/>
+          <p:cNvPr id="99" name="Shape 99"/>
           <p:cNvSpPr/>
           <p:nvPr>
             <p:ph idx="2" type="sldImg"/>
@@ -1438,7 +1446,105 @@
       </p:sp>
       <p:sp>
         <p:nvSpPr>
-          <p:cNvPr id="102" name="Shape 102"/>
+          <p:cNvPr id="100" name="Shape 100"/>
+          <p:cNvSpPr txBox="1"/>
+          <p:nvPr>
+            <p:ph idx="1" type="body"/>
+          </p:nvPr>
+        </p:nvSpPr>
+        <p:spPr>
+          <a:xfrm>
+            <a:off x="685800" y="4343400"/>
+            <a:ext cx="5486400" cy="4114800"/>
+          </a:xfrm>
+          <a:prstGeom prst="rect">
+            <a:avLst/>
+          </a:prstGeom>
+        </p:spPr>
+        <p:txBody>
+          <a:bodyPr anchorCtr="0" anchor="t" bIns="91425" lIns="91425" spcFirstLastPara="1" rIns="91425" wrap="square" tIns="91425">
+            <a:noAutofit/>
+          </a:bodyPr>
+          <a:lstStyle/>
+          <a:p>
+            <a:pPr indent="0" lvl="0" marL="0">
+              <a:spcBef>
+                <a:spcPts val="0"/>
+              </a:spcBef>
+              <a:spcAft>
+                <a:spcPts val="0"/>
+              </a:spcAft>
+              <a:buNone/>
+            </a:pPr>
+            <a:r>
+              <a:t/>
+            </a:r>
+            <a:endParaRPr/>
+          </a:p>
+        </p:txBody>
+      </p:sp>
+    </p:spTree>
+  </p:cSld>
+  <p:clrMapOvr>
+    <a:masterClrMapping/>
+  </p:clrMapOvr>
+</p:notes>
+</file>
+
+<file path=ppt/notesSlides/notesSlide9.xml><?xml version="1.0" encoding="utf-8"?>
+<p:notes xmlns:a="http://schemas.openxmlformats.org/drawingml/2006/main" xmlns:r="http://schemas.openxmlformats.org/officeDocument/2006/relationships" xmlns:mc="http://schemas.openxmlformats.org/markup-compatibility/2006" xmlns:mv="urn:schemas-microsoft-com:mac:vml" xmlns:p="http://schemas.openxmlformats.org/presentationml/2006/main" xmlns:c="http://schemas.openxmlformats.org/drawingml/2006/chart" xmlns:dgm="http://schemas.openxmlformats.org/drawingml/2006/diagram" xmlns:o="urn:schemas-microsoft-com:office:office" xmlns:v="urn:schemas-microsoft-com:vml" xmlns:pvml="urn:schemas-microsoft-com:office:powerpoint" xmlns:com="http://schemas.openxmlformats.org/drawingml/2006/compatibility" xmlns:p14="http://schemas.microsoft.com/office/powerpoint/2010/main" xmlns:p15="http://schemas.microsoft.com/office/powerpoint/2012/main" showMasterPhAnim="0" showMasterSp="0">
+  <p:cSld>
+    <p:spTree>
+      <p:nvGrpSpPr>
+        <p:cNvPr id="106" name="Shape 106"/>
+        <p:cNvGrpSpPr/>
+        <p:nvPr/>
+      </p:nvGrpSpPr>
+      <p:grpSpPr>
+        <a:xfrm>
+          <a:off x="0" y="0"/>
+          <a:ext cx="0" cy="0"/>
+          <a:chOff x="0" y="0"/>
+          <a:chExt cx="0" cy="0"/>
+        </a:xfrm>
+      </p:grpSpPr>
+      <p:sp>
+        <p:nvSpPr>
+          <p:cNvPr id="107" name="Shape 107"/>
+          <p:cNvSpPr/>
+          <p:nvPr>
+            <p:ph idx="2" type="sldImg"/>
+          </p:nvPr>
+        </p:nvSpPr>
+        <p:spPr>
+          <a:xfrm>
+            <a:off x="381300" y="685800"/>
+            <a:ext cx="6096000" cy="3429000"/>
+          </a:xfrm>
+          <a:custGeom>
+            <a:pathLst>
+              <a:path extrusionOk="0" h="120000" w="120000">
+                <a:moveTo>
+                  <a:pt x="0" y="0"/>
+                </a:moveTo>
+                <a:lnTo>
+                  <a:pt x="120000" y="0"/>
+                </a:lnTo>
+                <a:lnTo>
+                  <a:pt x="120000" y="120000"/>
+                </a:lnTo>
+                <a:lnTo>
+                  <a:pt x="0" y="120000"/>
+                </a:lnTo>
+                <a:close/>
+              </a:path>
+            </a:pathLst>
+          </a:custGeom>
+        </p:spPr>
+      </p:sp>
+      <p:sp>
+        <p:nvSpPr>
+          <p:cNvPr id="108" name="Shape 108"/>
           <p:cNvSpPr txBox="1"/>
           <p:nvPr>
             <p:ph idx="1" type="body"/>
@@ -7209,6 +7315,287 @@
             </a:pPr>
             <a:r>
               <a:rPr lang="en"/>
+              <a:t>LDA (</a:t>
+            </a:r>
+            <a:r>
+              <a:rPr lang="en">
+                <a:highlight>
+                  <a:srgbClr val="FFFFFF"/>
+                </a:highlight>
+              </a:rPr>
+              <a:t>Linear Discriminant Analysis)</a:t>
+            </a:r>
+            <a:endParaRPr/>
+          </a:p>
+        </p:txBody>
+      </p:sp>
+      <p:sp>
+        <p:nvSpPr>
+          <p:cNvPr id="77" name="Shape 77"/>
+          <p:cNvSpPr txBox="1"/>
+          <p:nvPr>
+            <p:ph idx="1" type="body"/>
+          </p:nvPr>
+        </p:nvSpPr>
+        <p:spPr>
+          <a:xfrm>
+            <a:off x="311700" y="1152475"/>
+            <a:ext cx="8520600" cy="3416400"/>
+          </a:xfrm>
+          <a:prstGeom prst="rect">
+            <a:avLst/>
+          </a:prstGeom>
+        </p:spPr>
+        <p:txBody>
+          <a:bodyPr anchorCtr="0" anchor="t" bIns="91425" lIns="91425" spcFirstLastPara="1" rIns="91425" wrap="square" tIns="91425">
+            <a:noAutofit/>
+          </a:bodyPr>
+          <a:lstStyle/>
+          <a:p>
+            <a:pPr indent="-342900" lvl="0" marL="457200" rtl="0">
+              <a:lnSpc>
+                <a:spcPct val="200000"/>
+              </a:lnSpc>
+              <a:spcBef>
+                <a:spcPts val="0"/>
+              </a:spcBef>
+              <a:spcAft>
+                <a:spcPts val="0"/>
+              </a:spcAft>
+              <a:buClr>
+                <a:srgbClr val="000000"/>
+              </a:buClr>
+              <a:buSzPts val="1800"/>
+              <a:buFont typeface="Roboto"/>
+              <a:buChar char="●"/>
+            </a:pPr>
+            <a:r>
+              <a:rPr lang="en">
+                <a:solidFill>
+                  <a:srgbClr val="000000"/>
+                </a:solidFill>
+                <a:highlight>
+                  <a:srgbClr val="FFFFFF"/>
+                </a:highlight>
+                <a:latin typeface="Roboto"/>
+                <a:ea typeface="Roboto"/>
+                <a:cs typeface="Roboto"/>
+                <a:sym typeface="Roboto"/>
+              </a:rPr>
+              <a:t>LDA assumes documents are produced from a mixture of topics. </a:t>
+            </a:r>
+            <a:endParaRPr>
+              <a:solidFill>
+                <a:srgbClr val="000000"/>
+              </a:solidFill>
+              <a:highlight>
+                <a:srgbClr val="FFFFFF"/>
+              </a:highlight>
+              <a:latin typeface="Roboto"/>
+              <a:ea typeface="Roboto"/>
+              <a:cs typeface="Roboto"/>
+              <a:sym typeface="Roboto"/>
+            </a:endParaRPr>
+          </a:p>
+          <a:p>
+            <a:pPr indent="-342900" lvl="0" marL="457200" rtl="0">
+              <a:lnSpc>
+                <a:spcPct val="200000"/>
+              </a:lnSpc>
+              <a:spcBef>
+                <a:spcPts val="0"/>
+              </a:spcBef>
+              <a:spcAft>
+                <a:spcPts val="0"/>
+              </a:spcAft>
+              <a:buClr>
+                <a:srgbClr val="000000"/>
+              </a:buClr>
+              <a:buSzPts val="1800"/>
+              <a:buFont typeface="Roboto"/>
+              <a:buChar char="●"/>
+            </a:pPr>
+            <a:r>
+              <a:rPr lang="en">
+                <a:solidFill>
+                  <a:srgbClr val="000000"/>
+                </a:solidFill>
+                <a:highlight>
+                  <a:srgbClr val="FFFFFF"/>
+                </a:highlight>
+                <a:latin typeface="Roboto"/>
+                <a:ea typeface="Roboto"/>
+                <a:cs typeface="Roboto"/>
+                <a:sym typeface="Roboto"/>
+              </a:rPr>
+              <a:t>Those topics then generate words based on their probability distribution. </a:t>
+            </a:r>
+            <a:endParaRPr>
+              <a:solidFill>
+                <a:srgbClr val="000000"/>
+              </a:solidFill>
+              <a:highlight>
+                <a:srgbClr val="FFFFFF"/>
+              </a:highlight>
+              <a:latin typeface="Roboto"/>
+              <a:ea typeface="Roboto"/>
+              <a:cs typeface="Roboto"/>
+              <a:sym typeface="Roboto"/>
+            </a:endParaRPr>
+          </a:p>
+          <a:p>
+            <a:pPr indent="-342900" lvl="0" marL="457200" rtl="0">
+              <a:lnSpc>
+                <a:spcPct val="200000"/>
+              </a:lnSpc>
+              <a:spcBef>
+                <a:spcPts val="0"/>
+              </a:spcBef>
+              <a:spcAft>
+                <a:spcPts val="0"/>
+              </a:spcAft>
+              <a:buClr>
+                <a:srgbClr val="000000"/>
+              </a:buClr>
+              <a:buSzPts val="1800"/>
+              <a:buFont typeface="Roboto"/>
+              <a:buChar char="●"/>
+            </a:pPr>
+            <a:r>
+              <a:rPr lang="en">
+                <a:solidFill>
+                  <a:srgbClr val="000000"/>
+                </a:solidFill>
+                <a:highlight>
+                  <a:srgbClr val="FFFFFF"/>
+                </a:highlight>
+                <a:latin typeface="Roboto"/>
+                <a:ea typeface="Roboto"/>
+                <a:cs typeface="Roboto"/>
+                <a:sym typeface="Roboto"/>
+              </a:rPr>
+              <a:t>Given a dataset of documents, LDA backtracks and tries to figure out what topics would create those documents in the first place.</a:t>
+            </a:r>
+            <a:endParaRPr>
+              <a:solidFill>
+                <a:srgbClr val="000000"/>
+              </a:solidFill>
+              <a:highlight>
+                <a:srgbClr val="FFFFFF"/>
+              </a:highlight>
+              <a:latin typeface="Roboto"/>
+              <a:ea typeface="Roboto"/>
+              <a:cs typeface="Roboto"/>
+              <a:sym typeface="Roboto"/>
+            </a:endParaRPr>
+          </a:p>
+          <a:p>
+            <a:pPr indent="-342900" lvl="0" marL="457200" rtl="0">
+              <a:lnSpc>
+                <a:spcPct val="200000"/>
+              </a:lnSpc>
+              <a:spcBef>
+                <a:spcPts val="0"/>
+              </a:spcBef>
+              <a:spcAft>
+                <a:spcPts val="0"/>
+              </a:spcAft>
+              <a:buClr>
+                <a:srgbClr val="000000"/>
+              </a:buClr>
+              <a:buSzPts val="1800"/>
+              <a:buFont typeface="Roboto"/>
+              <a:buChar char="●"/>
+            </a:pPr>
+            <a:r>
+              <a:rPr lang="en">
+                <a:solidFill>
+                  <a:srgbClr val="000000"/>
+                </a:solidFill>
+                <a:highlight>
+                  <a:srgbClr val="FFFFFF"/>
+                </a:highlight>
+                <a:latin typeface="Roboto"/>
+                <a:ea typeface="Roboto"/>
+                <a:cs typeface="Roboto"/>
+                <a:sym typeface="Roboto"/>
+              </a:rPr>
+              <a:t>It is a matrix factorization technique</a:t>
+            </a:r>
+            <a:endParaRPr>
+              <a:solidFill>
+                <a:srgbClr val="000000"/>
+              </a:solidFill>
+              <a:highlight>
+                <a:srgbClr val="FFFFFF"/>
+              </a:highlight>
+              <a:latin typeface="Roboto"/>
+              <a:ea typeface="Roboto"/>
+              <a:cs typeface="Roboto"/>
+              <a:sym typeface="Roboto"/>
+            </a:endParaRPr>
+          </a:p>
+        </p:txBody>
+      </p:sp>
+    </p:spTree>
+  </p:cSld>
+  <p:clrMapOvr>
+    <a:masterClrMapping/>
+  </p:clrMapOvr>
+</p:sld>
+</file>
+
+<file path=ppt/slides/slide5.xml><?xml version="1.0" encoding="utf-8"?>
+<p:sld xmlns:a="http://schemas.openxmlformats.org/drawingml/2006/main" xmlns:r="http://schemas.openxmlformats.org/officeDocument/2006/relationships" xmlns:mc="http://schemas.openxmlformats.org/markup-compatibility/2006" xmlns:mv="urn:schemas-microsoft-com:mac:vml" xmlns:p="http://schemas.openxmlformats.org/presentationml/2006/main" xmlns:c="http://schemas.openxmlformats.org/drawingml/2006/chart" xmlns:dgm="http://schemas.openxmlformats.org/drawingml/2006/diagram" xmlns:o="urn:schemas-microsoft-com:office:office" xmlns:v="urn:schemas-microsoft-com:vml" xmlns:pvml="urn:schemas-microsoft-com:office:powerpoint" xmlns:com="http://schemas.openxmlformats.org/drawingml/2006/compatibility" xmlns:p14="http://schemas.microsoft.com/office/powerpoint/2010/main" xmlns:p15="http://schemas.microsoft.com/office/powerpoint/2012/main">
+  <p:cSld>
+    <p:spTree>
+      <p:nvGrpSpPr>
+        <p:cNvPr id="81" name="Shape 81"/>
+        <p:cNvGrpSpPr/>
+        <p:nvPr/>
+      </p:nvGrpSpPr>
+      <p:grpSpPr>
+        <a:xfrm>
+          <a:off x="0" y="0"/>
+          <a:ext cx="0" cy="0"/>
+          <a:chOff x="0" y="0"/>
+          <a:chExt cx="0" cy="0"/>
+        </a:xfrm>
+      </p:grpSpPr>
+      <p:sp>
+        <p:nvSpPr>
+          <p:cNvPr id="82" name="Shape 82"/>
+          <p:cNvSpPr txBox="1"/>
+          <p:nvPr>
+            <p:ph type="title"/>
+          </p:nvPr>
+        </p:nvSpPr>
+        <p:spPr>
+          <a:xfrm>
+            <a:off x="311700" y="445025"/>
+            <a:ext cx="8520600" cy="572700"/>
+          </a:xfrm>
+          <a:prstGeom prst="rect">
+            <a:avLst/>
+          </a:prstGeom>
+        </p:spPr>
+        <p:txBody>
+          <a:bodyPr anchorCtr="0" anchor="t" bIns="91425" lIns="91425" spcFirstLastPara="1" rIns="91425" wrap="square" tIns="91425">
+            <a:noAutofit/>
+          </a:bodyPr>
+          <a:lstStyle/>
+          <a:p>
+            <a:pPr indent="0" lvl="0" marL="0">
+              <a:spcBef>
+                <a:spcPts val="0"/>
+              </a:spcBef>
+              <a:spcAft>
+                <a:spcPts val="0"/>
+              </a:spcAft>
+              <a:buNone/>
+            </a:pPr>
+            <a:r>
+              <a:rPr lang="en"/>
               <a:t>Topic Modeling - LDA</a:t>
             </a:r>
             <a:endParaRPr/>
@@ -7217,7 +7604,7 @@
       </p:sp>
       <p:sp>
         <p:nvSpPr>
-          <p:cNvPr id="77" name="Shape 77"/>
+          <p:cNvPr id="83" name="Shape 83"/>
           <p:cNvSpPr txBox="1"/>
           <p:nvPr/>
         </p:nvSpPr>
@@ -7368,7 +7755,7 @@
       </p:sp>
       <p:pic>
         <p:nvPicPr>
-          <p:cNvPr id="78" name="Shape 78"/>
+          <p:cNvPr id="84" name="Shape 84"/>
           <p:cNvPicPr preferRelativeResize="0"/>
           <p:nvPr/>
         </p:nvPicPr>
@@ -7384,99 +7771,6 @@
           <a:xfrm>
             <a:off x="3716300" y="1170125"/>
             <a:ext cx="5275297" cy="3212240"/>
-          </a:xfrm>
-          <a:prstGeom prst="rect">
-            <a:avLst/>
-          </a:prstGeom>
-          <a:noFill/>
-          <a:ln>
-            <a:noFill/>
-          </a:ln>
-        </p:spPr>
-      </p:pic>
-    </p:spTree>
-  </p:cSld>
-  <p:clrMapOvr>
-    <a:masterClrMapping/>
-  </p:clrMapOvr>
-</p:sld>
-</file>
-
-<file path=ppt/slides/slide5.xml><?xml version="1.0" encoding="utf-8"?>
-<p:sld xmlns:a="http://schemas.openxmlformats.org/drawingml/2006/main" xmlns:r="http://schemas.openxmlformats.org/officeDocument/2006/relationships" xmlns:mc="http://schemas.openxmlformats.org/markup-compatibility/2006" xmlns:mv="urn:schemas-microsoft-com:mac:vml" xmlns:p="http://schemas.openxmlformats.org/presentationml/2006/main" xmlns:c="http://schemas.openxmlformats.org/drawingml/2006/chart" xmlns:dgm="http://schemas.openxmlformats.org/drawingml/2006/diagram" xmlns:o="urn:schemas-microsoft-com:office:office" xmlns:v="urn:schemas-microsoft-com:vml" xmlns:pvml="urn:schemas-microsoft-com:office:powerpoint" xmlns:com="http://schemas.openxmlformats.org/drawingml/2006/compatibility" xmlns:p14="http://schemas.microsoft.com/office/powerpoint/2010/main" xmlns:p15="http://schemas.microsoft.com/office/powerpoint/2012/main">
-  <p:cSld>
-    <p:spTree>
-      <p:nvGrpSpPr>
-        <p:cNvPr id="82" name="Shape 82"/>
-        <p:cNvGrpSpPr/>
-        <p:nvPr/>
-      </p:nvGrpSpPr>
-      <p:grpSpPr>
-        <a:xfrm>
-          <a:off x="0" y="0"/>
-          <a:ext cx="0" cy="0"/>
-          <a:chOff x="0" y="0"/>
-          <a:chExt cx="0" cy="0"/>
-        </a:xfrm>
-      </p:grpSpPr>
-      <p:sp>
-        <p:nvSpPr>
-          <p:cNvPr id="83" name="Shape 83"/>
-          <p:cNvSpPr txBox="1"/>
-          <p:nvPr>
-            <p:ph type="title"/>
-          </p:nvPr>
-        </p:nvSpPr>
-        <p:spPr>
-          <a:xfrm>
-            <a:off x="311700" y="445025"/>
-            <a:ext cx="8520600" cy="572700"/>
-          </a:xfrm>
-          <a:prstGeom prst="rect">
-            <a:avLst/>
-          </a:prstGeom>
-        </p:spPr>
-        <p:txBody>
-          <a:bodyPr anchorCtr="0" anchor="t" bIns="91425" lIns="91425" spcFirstLastPara="1" rIns="91425" wrap="square" tIns="91425">
-            <a:noAutofit/>
-          </a:bodyPr>
-          <a:lstStyle/>
-          <a:p>
-            <a:pPr indent="0" lvl="0" marL="0" rtl="0">
-              <a:spcBef>
-                <a:spcPts val="0"/>
-              </a:spcBef>
-              <a:spcAft>
-                <a:spcPts val="0"/>
-              </a:spcAft>
-              <a:buNone/>
-            </a:pPr>
-            <a:r>
-              <a:rPr lang="en"/>
-              <a:t>Topic Modeling - LDA</a:t>
-            </a:r>
-            <a:endParaRPr/>
-          </a:p>
-        </p:txBody>
-      </p:sp>
-      <p:pic>
-        <p:nvPicPr>
-          <p:cNvPr id="84" name="Shape 84"/>
-          <p:cNvPicPr preferRelativeResize="0"/>
-          <p:nvPr/>
-        </p:nvPicPr>
-        <p:blipFill>
-          <a:blip r:embed="rId3">
-            <a:alphaModFix/>
-          </a:blip>
-          <a:stretch>
-            <a:fillRect/>
-          </a:stretch>
-        </p:blipFill>
-        <p:spPr>
-          <a:xfrm>
-            <a:off x="1866900" y="1073775"/>
-            <a:ext cx="6206689" cy="3820973"/>
           </a:xfrm>
           <a:prstGeom prst="rect">
             <a:avLst/>
@@ -7535,7 +7829,7 @@
           </a:bodyPr>
           <a:lstStyle/>
           <a:p>
-            <a:pPr indent="0" lvl="0" marL="0">
+            <a:pPr indent="0" lvl="0" marL="0" rtl="0">
               <a:spcBef>
                 <a:spcPts val="0"/>
               </a:spcBef>
@@ -7546,7 +7840,100 @@
             </a:pPr>
             <a:r>
               <a:rPr lang="en"/>
-              <a:t>Topic Modeling - NMF</a:t>
+              <a:t>Topic Modeling - LDA</a:t>
+            </a:r>
+            <a:endParaRPr/>
+          </a:p>
+        </p:txBody>
+      </p:sp>
+      <p:pic>
+        <p:nvPicPr>
+          <p:cNvPr id="90" name="Shape 90"/>
+          <p:cNvPicPr preferRelativeResize="0"/>
+          <p:nvPr/>
+        </p:nvPicPr>
+        <p:blipFill>
+          <a:blip r:embed="rId3">
+            <a:alphaModFix/>
+          </a:blip>
+          <a:stretch>
+            <a:fillRect/>
+          </a:stretch>
+        </p:blipFill>
+        <p:spPr>
+          <a:xfrm>
+            <a:off x="1866900" y="1073775"/>
+            <a:ext cx="6206689" cy="3820973"/>
+          </a:xfrm>
+          <a:prstGeom prst="rect">
+            <a:avLst/>
+          </a:prstGeom>
+          <a:noFill/>
+          <a:ln>
+            <a:noFill/>
+          </a:ln>
+        </p:spPr>
+      </p:pic>
+    </p:spTree>
+  </p:cSld>
+  <p:clrMapOvr>
+    <a:masterClrMapping/>
+  </p:clrMapOvr>
+</p:sld>
+</file>
+
+<file path=ppt/slides/slide7.xml><?xml version="1.0" encoding="utf-8"?>
+<p:sld xmlns:a="http://schemas.openxmlformats.org/drawingml/2006/main" xmlns:r="http://schemas.openxmlformats.org/officeDocument/2006/relationships" xmlns:mc="http://schemas.openxmlformats.org/markup-compatibility/2006" xmlns:mv="urn:schemas-microsoft-com:mac:vml" xmlns:p="http://schemas.openxmlformats.org/presentationml/2006/main" xmlns:c="http://schemas.openxmlformats.org/drawingml/2006/chart" xmlns:dgm="http://schemas.openxmlformats.org/drawingml/2006/diagram" xmlns:o="urn:schemas-microsoft-com:office:office" xmlns:v="urn:schemas-microsoft-com:vml" xmlns:pvml="urn:schemas-microsoft-com:office:powerpoint" xmlns:com="http://schemas.openxmlformats.org/drawingml/2006/compatibility" xmlns:p14="http://schemas.microsoft.com/office/powerpoint/2010/main" xmlns:p15="http://schemas.microsoft.com/office/powerpoint/2012/main">
+  <p:cSld>
+    <p:spTree>
+      <p:nvGrpSpPr>
+        <p:cNvPr id="94" name="Shape 94"/>
+        <p:cNvGrpSpPr/>
+        <p:nvPr/>
+      </p:nvGrpSpPr>
+      <p:grpSpPr>
+        <a:xfrm>
+          <a:off x="0" y="0"/>
+          <a:ext cx="0" cy="0"/>
+          <a:chOff x="0" y="0"/>
+          <a:chExt cx="0" cy="0"/>
+        </a:xfrm>
+      </p:grpSpPr>
+      <p:sp>
+        <p:nvSpPr>
+          <p:cNvPr id="95" name="Shape 95"/>
+          <p:cNvSpPr txBox="1"/>
+          <p:nvPr>
+            <p:ph type="title"/>
+          </p:nvPr>
+        </p:nvSpPr>
+        <p:spPr>
+          <a:xfrm>
+            <a:off x="311700" y="445025"/>
+            <a:ext cx="8520600" cy="874500"/>
+          </a:xfrm>
+          <a:prstGeom prst="rect">
+            <a:avLst/>
+          </a:prstGeom>
+        </p:spPr>
+        <p:txBody>
+          <a:bodyPr anchorCtr="0" anchor="t" bIns="91425" lIns="91425" spcFirstLastPara="1" rIns="91425" wrap="square" tIns="91425">
+            <a:noAutofit/>
+          </a:bodyPr>
+          <a:lstStyle/>
+          <a:p>
+            <a:pPr indent="0" lvl="0" marL="0">
+              <a:spcBef>
+                <a:spcPts val="0"/>
+              </a:spcBef>
+              <a:spcAft>
+                <a:spcPts val="0"/>
+              </a:spcAft>
+              <a:buNone/>
+            </a:pPr>
+            <a:r>
+              <a:rPr lang="en"/>
+              <a:t>Topic Modeling - NMF (Non negative Matrix Factorization)</a:t>
             </a:r>
             <a:endParaRPr/>
           </a:p>
@@ -7569,7 +7956,7 @@
       </p:sp>
       <p:pic>
         <p:nvPicPr>
-          <p:cNvPr id="90" name="Shape 90"/>
+          <p:cNvPr id="96" name="Shape 96"/>
           <p:cNvPicPr preferRelativeResize="0"/>
           <p:nvPr/>
         </p:nvPicPr>
@@ -7597,14 +7984,14 @@
       </p:pic>
       <p:sp>
         <p:nvSpPr>
-          <p:cNvPr id="91" name="Shape 91"/>
+          <p:cNvPr id="97" name="Shape 97"/>
           <p:cNvSpPr txBox="1"/>
           <p:nvPr/>
         </p:nvSpPr>
         <p:spPr>
           <a:xfrm>
-            <a:off x="433450" y="1088425"/>
-            <a:ext cx="4296000" cy="3689100"/>
+            <a:off x="433450" y="1560400"/>
+            <a:ext cx="4296000" cy="3217200"/>
           </a:xfrm>
           <a:prstGeom prst="rect">
             <a:avLst/>
@@ -7731,12 +8118,12 @@
 </p:sld>
 </file>
 
-<file path=ppt/slides/slide7.xml><?xml version="1.0" encoding="utf-8"?>
+<file path=ppt/slides/slide8.xml><?xml version="1.0" encoding="utf-8"?>
 <p:sld xmlns:a="http://schemas.openxmlformats.org/drawingml/2006/main" xmlns:r="http://schemas.openxmlformats.org/officeDocument/2006/relationships" xmlns:mc="http://schemas.openxmlformats.org/markup-compatibility/2006" xmlns:mv="urn:schemas-microsoft-com:mac:vml" xmlns:p="http://schemas.openxmlformats.org/presentationml/2006/main" xmlns:c="http://schemas.openxmlformats.org/drawingml/2006/chart" xmlns:dgm="http://schemas.openxmlformats.org/drawingml/2006/diagram" xmlns:o="urn:schemas-microsoft-com:office:office" xmlns:v="urn:schemas-microsoft-com:vml" xmlns:pvml="urn:schemas-microsoft-com:office:powerpoint" xmlns:com="http://schemas.openxmlformats.org/drawingml/2006/compatibility" xmlns:p14="http://schemas.microsoft.com/office/powerpoint/2010/main" xmlns:p15="http://schemas.microsoft.com/office/powerpoint/2012/main">
   <p:cSld>
     <p:spTree>
       <p:nvGrpSpPr>
-        <p:cNvPr id="95" name="Shape 95"/>
+        <p:cNvPr id="101" name="Shape 101"/>
         <p:cNvGrpSpPr/>
         <p:nvPr/>
       </p:nvGrpSpPr>
@@ -7750,7 +8137,7 @@
       </p:grpSpPr>
       <p:sp>
         <p:nvSpPr>
-          <p:cNvPr id="96" name="Shape 96"/>
+          <p:cNvPr id="102" name="Shape 102"/>
           <p:cNvSpPr txBox="1"/>
           <p:nvPr>
             <p:ph type="title"/>
@@ -7790,7 +8177,7 @@
       </p:sp>
       <p:sp>
         <p:nvSpPr>
-          <p:cNvPr id="97" name="Shape 97"/>
+          <p:cNvPr id="103" name="Shape 103"/>
           <p:cNvSpPr txBox="1"/>
           <p:nvPr>
             <p:ph idx="1" type="body"/>
@@ -7903,7 +8290,7 @@
       </p:sp>
       <p:pic>
         <p:nvPicPr>
-          <p:cNvPr id="98" name="Shape 98"/>
+          <p:cNvPr id="104" name="Shape 104"/>
           <p:cNvPicPr preferRelativeResize="0"/>
           <p:nvPr/>
         </p:nvPicPr>
@@ -7930,7 +8317,7 @@
       </p:pic>
       <p:pic>
         <p:nvPicPr>
-          <p:cNvPr id="99" name="Shape 99"/>
+          <p:cNvPr id="105" name="Shape 105"/>
           <p:cNvPicPr preferRelativeResize="0"/>
           <p:nvPr/>
         </p:nvPicPr>
@@ -7964,12 +8351,12 @@
 </p:sld>
 </file>
 
-<file path=ppt/slides/slide8.xml><?xml version="1.0" encoding="utf-8"?>
+<file path=ppt/slides/slide9.xml><?xml version="1.0" encoding="utf-8"?>
 <p:sld xmlns:a="http://schemas.openxmlformats.org/drawingml/2006/main" xmlns:r="http://schemas.openxmlformats.org/officeDocument/2006/relationships" xmlns:mc="http://schemas.openxmlformats.org/markup-compatibility/2006" xmlns:mv="urn:schemas-microsoft-com:mac:vml" xmlns:p="http://schemas.openxmlformats.org/presentationml/2006/main" xmlns:c="http://schemas.openxmlformats.org/drawingml/2006/chart" xmlns:dgm="http://schemas.openxmlformats.org/drawingml/2006/diagram" xmlns:o="urn:schemas-microsoft-com:office:office" xmlns:v="urn:schemas-microsoft-com:vml" xmlns:pvml="urn:schemas-microsoft-com:office:powerpoint" xmlns:com="http://schemas.openxmlformats.org/drawingml/2006/compatibility" xmlns:p14="http://schemas.microsoft.com/office/powerpoint/2010/main" xmlns:p15="http://schemas.microsoft.com/office/powerpoint/2012/main">
   <p:cSld>
     <p:spTree>
       <p:nvGrpSpPr>
-        <p:cNvPr id="103" name="Shape 103"/>
+        <p:cNvPr id="109" name="Shape 109"/>
         <p:cNvGrpSpPr/>
         <p:nvPr/>
       </p:nvGrpSpPr>
@@ -7983,7 +8370,7 @@
       </p:grpSpPr>
       <p:sp>
         <p:nvSpPr>
-          <p:cNvPr id="104" name="Shape 104"/>
+          <p:cNvPr id="110" name="Shape 110"/>
           <p:cNvSpPr txBox="1"/>
           <p:nvPr>
             <p:ph type="title"/>
@@ -8023,7 +8410,7 @@
       </p:sp>
       <p:sp>
         <p:nvSpPr>
-          <p:cNvPr id="105" name="Shape 105"/>
+          <p:cNvPr id="111" name="Shape 111"/>
           <p:cNvSpPr txBox="1"/>
           <p:nvPr>
             <p:ph idx="1" type="body"/>
@@ -8071,7 +8458,87 @@
                 <a:cs typeface="Spectral"/>
                 <a:sym typeface="Spectral"/>
               </a:rPr>
-              <a:t>LDA works better than NMF in topic modeling.</a:t>
+              <a:t>LDA and NMF work equally well  for topic modeling.</a:t>
+            </a:r>
+            <a:endParaRPr>
+              <a:solidFill>
+                <a:srgbClr val="000000"/>
+              </a:solidFill>
+              <a:latin typeface="Spectral"/>
+              <a:ea typeface="Spectral"/>
+              <a:cs typeface="Spectral"/>
+              <a:sym typeface="Spectral"/>
+            </a:endParaRPr>
+          </a:p>
+          <a:p>
+            <a:pPr indent="-342900" lvl="0" marL="457200" rtl="0">
+              <a:lnSpc>
+                <a:spcPct val="200000"/>
+              </a:lnSpc>
+              <a:spcBef>
+                <a:spcPts val="0"/>
+              </a:spcBef>
+              <a:spcAft>
+                <a:spcPts val="0"/>
+              </a:spcAft>
+              <a:buClr>
+                <a:srgbClr val="000000"/>
+              </a:buClr>
+              <a:buSzPts val="1800"/>
+              <a:buFont typeface="Spectral"/>
+              <a:buChar char="➢"/>
+            </a:pPr>
+            <a:r>
+              <a:rPr lang="en">
+                <a:solidFill>
+                  <a:schemeClr val="dk1"/>
+                </a:solidFill>
+                <a:latin typeface="Spectral"/>
+                <a:ea typeface="Spectral"/>
+                <a:cs typeface="Spectral"/>
+                <a:sym typeface="Spectral"/>
+              </a:rPr>
+              <a:t>Words related to computers like gpu, processors, cpu come under once topic.</a:t>
+            </a:r>
+            <a:endParaRPr>
+              <a:solidFill>
+                <a:schemeClr val="dk1"/>
+              </a:solidFill>
+              <a:latin typeface="Spectral"/>
+              <a:ea typeface="Spectral"/>
+              <a:cs typeface="Spectral"/>
+              <a:sym typeface="Spectral"/>
+            </a:endParaRPr>
+          </a:p>
+          <a:p>
+            <a:pPr indent="-342900" lvl="0" marL="457200" rtl="0">
+              <a:lnSpc>
+                <a:spcPct val="200000"/>
+              </a:lnSpc>
+              <a:spcBef>
+                <a:spcPts val="0"/>
+              </a:spcBef>
+              <a:spcAft>
+                <a:spcPts val="0"/>
+              </a:spcAft>
+              <a:buClr>
+                <a:srgbClr val="000000"/>
+              </a:buClr>
+              <a:buSzPts val="1800"/>
+              <a:buFont typeface="Spectral"/>
+              <a:buChar char="➢"/>
+            </a:pPr>
+            <a:r>
+              <a:rPr lang="en">
+                <a:solidFill>
+                  <a:schemeClr val="dk1"/>
+                </a:solidFill>
+                <a:latin typeface="Spectral"/>
+                <a:ea typeface="Spectral"/>
+                <a:cs typeface="Spectral"/>
+                <a:sym typeface="Spectral"/>
+              </a:rPr>
+              <a:t>Words like Python, pandas, numpy, scipy come under one topic.                          These verify our results</a:t>
             </a:r>
             <a:endParaRPr>
               <a:solidFill>
